--- a/my3slides.pptx
+++ b/my3slides.pptx
@@ -120,10 +120,33 @@
   <pc:docChgLst>
     <pc:chgData name="KeShaun Berry" userId="4ae3cb8b9d44743d" providerId="LiveId" clId="{455C0D79-177F-4EEB-81D3-E3EC3F2466DB}"/>
     <pc:docChg chg="custSel modSld">
-      <pc:chgData name="KeShaun Berry" userId="4ae3cb8b9d44743d" providerId="LiveId" clId="{455C0D79-177F-4EEB-81D3-E3EC3F2466DB}" dt="2024-10-23T02:17:49.921" v="4" actId="1076"/>
+      <pc:chgData name="KeShaun Berry" userId="4ae3cb8b9d44743d" providerId="LiveId" clId="{455C0D79-177F-4EEB-81D3-E3EC3F2466DB}" dt="2024-10-23T04:24:48.955" v="57" actId="1076"/>
       <pc:docMkLst>
         <pc:docMk/>
       </pc:docMkLst>
+      <pc:sldChg chg="modSp mod">
+        <pc:chgData name="KeShaun Berry" userId="4ae3cb8b9d44743d" providerId="LiveId" clId="{455C0D79-177F-4EEB-81D3-E3EC3F2466DB}" dt="2024-10-23T04:16:15.155" v="23" actId="20577"/>
+        <pc:sldMkLst>
+          <pc:docMk/>
+          <pc:sldMk cId="2324125081" sldId="256"/>
+        </pc:sldMkLst>
+        <pc:spChg chg="mod">
+          <ac:chgData name="KeShaun Berry" userId="4ae3cb8b9d44743d" providerId="LiveId" clId="{455C0D79-177F-4EEB-81D3-E3EC3F2466DB}" dt="2024-10-23T04:16:08.133" v="11" actId="20577"/>
+          <ac:spMkLst>
+            <pc:docMk/>
+            <pc:sldMk cId="2324125081" sldId="256"/>
+            <ac:spMk id="2" creationId="{A6DA9C4A-7AAE-88DC-CB16-6CF6E1553655}"/>
+          </ac:spMkLst>
+        </pc:spChg>
+        <pc:spChg chg="mod">
+          <ac:chgData name="KeShaun Berry" userId="4ae3cb8b9d44743d" providerId="LiveId" clId="{455C0D79-177F-4EEB-81D3-E3EC3F2466DB}" dt="2024-10-23T04:16:15.155" v="23" actId="20577"/>
+          <ac:spMkLst>
+            <pc:docMk/>
+            <pc:sldMk cId="2324125081" sldId="256"/>
+            <ac:spMk id="3" creationId="{B3C06C9A-839E-5A2F-3D21-ED420F1A9228}"/>
+          </ac:spMkLst>
+        </pc:spChg>
+      </pc:sldChg>
       <pc:sldChg chg="addSp modSp mod setBg">
         <pc:chgData name="KeShaun Berry" userId="4ae3cb8b9d44743d" providerId="LiveId" clId="{455C0D79-177F-4EEB-81D3-E3EC3F2466DB}" dt="2024-10-23T02:17:49.921" v="4" actId="1076"/>
         <pc:sldMkLst>
@@ -176,6 +199,76 @@
             <pc:docMk/>
             <pc:sldMk cId="4071658817" sldId="257"/>
             <ac:picMk id="5" creationId="{C29C0A49-FDA3-1393-A372-74BE3EFF740F}"/>
+          </ac:picMkLst>
+        </pc:picChg>
+      </pc:sldChg>
+      <pc:sldChg chg="addSp delSp modSp mod">
+        <pc:chgData name="KeShaun Berry" userId="4ae3cb8b9d44743d" providerId="LiveId" clId="{455C0D79-177F-4EEB-81D3-E3EC3F2466DB}" dt="2024-10-23T04:21:55.602" v="42" actId="1076"/>
+        <pc:sldMkLst>
+          <pc:docMk/>
+          <pc:sldMk cId="2899991690" sldId="258"/>
+        </pc:sldMkLst>
+        <pc:spChg chg="del">
+          <ac:chgData name="KeShaun Berry" userId="4ae3cb8b9d44743d" providerId="LiveId" clId="{455C0D79-177F-4EEB-81D3-E3EC3F2466DB}" dt="2024-10-23T04:18:46.929" v="27" actId="22"/>
+          <ac:spMkLst>
+            <pc:docMk/>
+            <pc:sldMk cId="2899991690" sldId="258"/>
+            <ac:spMk id="4" creationId="{22541888-1B0D-8D66-142A-8FE72407AD78}"/>
+          </ac:spMkLst>
+        </pc:spChg>
+        <pc:picChg chg="add mod">
+          <ac:chgData name="KeShaun Berry" userId="4ae3cb8b9d44743d" providerId="LiveId" clId="{455C0D79-177F-4EEB-81D3-E3EC3F2466DB}" dt="2024-10-23T04:20:56.453" v="38" actId="1076"/>
+          <ac:picMkLst>
+            <pc:docMk/>
+            <pc:sldMk cId="2899991690" sldId="258"/>
+            <ac:picMk id="6" creationId="{DF73A5E9-7210-70F2-E7A8-B46C516AE068}"/>
+          </ac:picMkLst>
+        </pc:picChg>
+        <pc:picChg chg="add mod ord modCrop">
+          <ac:chgData name="KeShaun Berry" userId="4ae3cb8b9d44743d" providerId="LiveId" clId="{455C0D79-177F-4EEB-81D3-E3EC3F2466DB}" dt="2024-10-23T04:21:00.939" v="40" actId="1076"/>
+          <ac:picMkLst>
+            <pc:docMk/>
+            <pc:sldMk cId="2899991690" sldId="258"/>
+            <ac:picMk id="8" creationId="{436B02D0-1A48-9856-21C9-3E9C868A6CE2}"/>
+          </ac:picMkLst>
+        </pc:picChg>
+        <pc:picChg chg="add mod">
+          <ac:chgData name="KeShaun Berry" userId="4ae3cb8b9d44743d" providerId="LiveId" clId="{455C0D79-177F-4EEB-81D3-E3EC3F2466DB}" dt="2024-10-23T04:20:58.615" v="39" actId="1076"/>
+          <ac:picMkLst>
+            <pc:docMk/>
+            <pc:sldMk cId="2899991690" sldId="258"/>
+            <ac:picMk id="10" creationId="{2BFF2677-92AD-6155-D2AA-0AF3CF77B80E}"/>
+          </ac:picMkLst>
+        </pc:picChg>
+        <pc:picChg chg="add mod">
+          <ac:chgData name="KeShaun Berry" userId="4ae3cb8b9d44743d" providerId="LiveId" clId="{455C0D79-177F-4EEB-81D3-E3EC3F2466DB}" dt="2024-10-23T04:21:55.602" v="42" actId="1076"/>
+          <ac:picMkLst>
+            <pc:docMk/>
+            <pc:sldMk cId="2899991690" sldId="258"/>
+            <ac:picMk id="12" creationId="{801ADB64-1F2E-0E7D-F333-B01BFC0971A8}"/>
+          </ac:picMkLst>
+        </pc:picChg>
+      </pc:sldChg>
+      <pc:sldChg chg="addSp modSp mod">
+        <pc:chgData name="KeShaun Berry" userId="4ae3cb8b9d44743d" providerId="LiveId" clId="{455C0D79-177F-4EEB-81D3-E3EC3F2466DB}" dt="2024-10-23T04:24:48.955" v="57" actId="1076"/>
+        <pc:sldMkLst>
+          <pc:docMk/>
+          <pc:sldMk cId="4027756183" sldId="259"/>
+        </pc:sldMkLst>
+        <pc:picChg chg="add mod">
+          <ac:chgData name="KeShaun Berry" userId="4ae3cb8b9d44743d" providerId="LiveId" clId="{455C0D79-177F-4EEB-81D3-E3EC3F2466DB}" dt="2024-10-23T04:24:48.955" v="57" actId="1076"/>
+          <ac:picMkLst>
+            <pc:docMk/>
+            <pc:sldMk cId="4027756183" sldId="259"/>
+            <ac:picMk id="6" creationId="{829A2E8F-D1C7-94EB-31A8-54C7E671AE10}"/>
+          </ac:picMkLst>
+        </pc:picChg>
+        <pc:picChg chg="add mod">
+          <ac:chgData name="KeShaun Berry" userId="4ae3cb8b9d44743d" providerId="LiveId" clId="{455C0D79-177F-4EEB-81D3-E3EC3F2466DB}" dt="2024-10-23T04:24:27.520" v="56" actId="1076"/>
+          <ac:picMkLst>
+            <pc:docMk/>
+            <pc:sldMk cId="4027756183" sldId="259"/>
+            <ac:picMk id="8" creationId="{2F009651-8F9E-ED14-3293-17344479687E}"/>
           </ac:picMkLst>
         </pc:picChg>
       </pc:sldChg>
@@ -331,7 +424,7 @@
           <a:p>
             <a:fld id="{A25ABEB2-004B-4D45-95DF-09C7170D6D07}" type="datetimeFigureOut">
               <a:rPr lang="en-US" smtClean="0"/>
-              <a:t>10/22/2024</a:t>
+              <a:t>10/23/2024</a:t>
             </a:fld>
             <a:endParaRPr lang="en-US"/>
           </a:p>
@@ -529,7 +622,7 @@
           <a:p>
             <a:fld id="{A25ABEB2-004B-4D45-95DF-09C7170D6D07}" type="datetimeFigureOut">
               <a:rPr lang="en-US" smtClean="0"/>
-              <a:t>10/22/2024</a:t>
+              <a:t>10/23/2024</a:t>
             </a:fld>
             <a:endParaRPr lang="en-US"/>
           </a:p>
@@ -737,7 +830,7 @@
           <a:p>
             <a:fld id="{A25ABEB2-004B-4D45-95DF-09C7170D6D07}" type="datetimeFigureOut">
               <a:rPr lang="en-US" smtClean="0"/>
-              <a:t>10/22/2024</a:t>
+              <a:t>10/23/2024</a:t>
             </a:fld>
             <a:endParaRPr lang="en-US"/>
           </a:p>
@@ -935,7 +1028,7 @@
           <a:p>
             <a:fld id="{A25ABEB2-004B-4D45-95DF-09C7170D6D07}" type="datetimeFigureOut">
               <a:rPr lang="en-US" smtClean="0"/>
-              <a:t>10/22/2024</a:t>
+              <a:t>10/23/2024</a:t>
             </a:fld>
             <a:endParaRPr lang="en-US"/>
           </a:p>
@@ -1210,7 +1303,7 @@
           <a:p>
             <a:fld id="{A25ABEB2-004B-4D45-95DF-09C7170D6D07}" type="datetimeFigureOut">
               <a:rPr lang="en-US" smtClean="0"/>
-              <a:t>10/22/2024</a:t>
+              <a:t>10/23/2024</a:t>
             </a:fld>
             <a:endParaRPr lang="en-US"/>
           </a:p>
@@ -1475,7 +1568,7 @@
           <a:p>
             <a:fld id="{A25ABEB2-004B-4D45-95DF-09C7170D6D07}" type="datetimeFigureOut">
               <a:rPr lang="en-US" smtClean="0"/>
-              <a:t>10/22/2024</a:t>
+              <a:t>10/23/2024</a:t>
             </a:fld>
             <a:endParaRPr lang="en-US"/>
           </a:p>
@@ -1887,7 +1980,7 @@
           <a:p>
             <a:fld id="{A25ABEB2-004B-4D45-95DF-09C7170D6D07}" type="datetimeFigureOut">
               <a:rPr lang="en-US" smtClean="0"/>
-              <a:t>10/22/2024</a:t>
+              <a:t>10/23/2024</a:t>
             </a:fld>
             <a:endParaRPr lang="en-US"/>
           </a:p>
@@ -2028,7 +2121,7 @@
           <a:p>
             <a:fld id="{A25ABEB2-004B-4D45-95DF-09C7170D6D07}" type="datetimeFigureOut">
               <a:rPr lang="en-US" smtClean="0"/>
-              <a:t>10/22/2024</a:t>
+              <a:t>10/23/2024</a:t>
             </a:fld>
             <a:endParaRPr lang="en-US"/>
           </a:p>
@@ -2141,7 +2234,7 @@
           <a:p>
             <a:fld id="{A25ABEB2-004B-4D45-95DF-09C7170D6D07}" type="datetimeFigureOut">
               <a:rPr lang="en-US" smtClean="0"/>
-              <a:t>10/22/2024</a:t>
+              <a:t>10/23/2024</a:t>
             </a:fld>
             <a:endParaRPr lang="en-US"/>
           </a:p>
@@ -2452,7 +2545,7 @@
           <a:p>
             <a:fld id="{A25ABEB2-004B-4D45-95DF-09C7170D6D07}" type="datetimeFigureOut">
               <a:rPr lang="en-US" smtClean="0"/>
-              <a:t>10/22/2024</a:t>
+              <a:t>10/23/2024</a:t>
             </a:fld>
             <a:endParaRPr lang="en-US"/>
           </a:p>
@@ -2740,7 +2833,7 @@
           <a:p>
             <a:fld id="{A25ABEB2-004B-4D45-95DF-09C7170D6D07}" type="datetimeFigureOut">
               <a:rPr lang="en-US" smtClean="0"/>
-              <a:t>10/22/2024</a:t>
+              <a:t>10/23/2024</a:t>
             </a:fld>
             <a:endParaRPr lang="en-US"/>
           </a:p>
@@ -2981,7 +3074,7 @@
           <a:p>
             <a:fld id="{A25ABEB2-004B-4D45-95DF-09C7170D6D07}" type="datetimeFigureOut">
               <a:rPr lang="en-US" smtClean="0"/>
-              <a:t>10/22/2024</a:t>
+              <a:t>10/23/2024</a:t>
             </a:fld>
             <a:endParaRPr lang="en-US"/>
           </a:p>
@@ -3419,7 +3512,10 @@
           <a:bodyPr/>
           <a:lstStyle/>
           <a:p>
-            <a:endParaRPr lang="en-US" dirty="0"/>
+            <a:r>
+              <a:rPr lang="en-US" dirty="0"/>
+              <a:t>KESHAUN</a:t>
+            </a:r>
           </a:p>
         </p:txBody>
       </p:sp>
@@ -3444,7 +3540,10 @@
           <a:bodyPr/>
           <a:lstStyle/>
           <a:p>
-            <a:endParaRPr lang="en-US" dirty="0"/>
+            <a:r>
+              <a:rPr lang="en-US" dirty="0"/>
+              <a:t>PORT SCANNER</a:t>
+            </a:r>
           </a:p>
         </p:txBody>
       </p:sp>
@@ -23905,41 +24004,124 @@
           </a:p>
         </p:txBody>
       </p:sp>
-      <p:sp>
-        <p:nvSpPr>
-          <p:cNvPr id="4" name="Content Placeholder 3">
+      <p:pic>
+        <p:nvPicPr>
+          <p:cNvPr id="8" name="Content Placeholder 7">
             <a:extLst>
               <a:ext uri="{FF2B5EF4-FFF2-40B4-BE49-F238E27FC236}">
-                <a16:creationId xmlns:a16="http://schemas.microsoft.com/office/drawing/2014/main" id="{22541888-1B0D-8D66-142A-8FE72407AD78}"/>
+                <a16:creationId xmlns:a16="http://schemas.microsoft.com/office/drawing/2014/main" id="{436B02D0-1A48-9856-21C9-3E9C868A6CE2}"/>
               </a:ext>
             </a:extLst>
           </p:cNvPr>
-          <p:cNvSpPr>
-            <a:spLocks noGrp="1"/>
-          </p:cNvSpPr>
+          <p:cNvPicPr>
+            <a:picLocks noGrp="1" noChangeAspect="1"/>
+          </p:cNvPicPr>
           <p:nvPr>
             <p:ph sz="half" idx="2"/>
           </p:nvPr>
-        </p:nvSpPr>
+        </p:nvPicPr>
+        <p:blipFill>
+          <a:blip r:embed="rId2"/>
+          <a:srcRect r="17812"/>
+          <a:stretch/>
+        </p:blipFill>
         <p:spPr>
           <a:xfrm>
-            <a:off x="8023122" y="1825625"/>
-            <a:ext cx="3330677" cy="4351338"/>
+            <a:off x="7536944" y="3777240"/>
+            <a:ext cx="4185846" cy="859712"/>
           </a:xfrm>
         </p:spPr>
-        <p:txBody>
-          <a:bodyPr>
-            <a:normAutofit fontScale="85000" lnSpcReduction="20000"/>
-          </a:bodyPr>
-          <a:lstStyle/>
-          <a:p>
-            <a:pPr marL="0" indent="0">
-              <a:buNone/>
-            </a:pPr>
-            <a:endParaRPr lang="en-US" dirty="0"/>
-          </a:p>
-        </p:txBody>
-      </p:sp>
+      </p:pic>
+      <p:pic>
+        <p:nvPicPr>
+          <p:cNvPr id="6" name="Picture 5">
+            <a:extLst>
+              <a:ext uri="{FF2B5EF4-FFF2-40B4-BE49-F238E27FC236}">
+                <a16:creationId xmlns:a16="http://schemas.microsoft.com/office/drawing/2014/main" id="{DF73A5E9-7210-70F2-E7A8-B46C516AE068}"/>
+              </a:ext>
+            </a:extLst>
+          </p:cNvPr>
+          <p:cNvPicPr>
+            <a:picLocks noChangeAspect="1"/>
+          </p:cNvPicPr>
+          <p:nvPr/>
+        </p:nvPicPr>
+        <p:blipFill>
+          <a:blip r:embed="rId3"/>
+          <a:stretch>
+            <a:fillRect/>
+          </a:stretch>
+        </p:blipFill>
+        <p:spPr>
+          <a:xfrm>
+            <a:off x="7668583" y="1027906"/>
+            <a:ext cx="1648055" cy="1257475"/>
+          </a:xfrm>
+          <a:prstGeom prst="rect">
+            <a:avLst/>
+          </a:prstGeom>
+        </p:spPr>
+      </p:pic>
+      <p:pic>
+        <p:nvPicPr>
+          <p:cNvPr id="10" name="Picture 9">
+            <a:extLst>
+              <a:ext uri="{FF2B5EF4-FFF2-40B4-BE49-F238E27FC236}">
+                <a16:creationId xmlns:a16="http://schemas.microsoft.com/office/drawing/2014/main" id="{2BFF2677-92AD-6155-D2AA-0AF3CF77B80E}"/>
+              </a:ext>
+            </a:extLst>
+          </p:cNvPr>
+          <p:cNvPicPr>
+            <a:picLocks noChangeAspect="1"/>
+          </p:cNvPicPr>
+          <p:nvPr/>
+        </p:nvPicPr>
+        <p:blipFill>
+          <a:blip r:embed="rId4"/>
+          <a:stretch>
+            <a:fillRect/>
+          </a:stretch>
+        </p:blipFill>
+        <p:spPr>
+          <a:xfrm>
+            <a:off x="8083412" y="2392724"/>
+            <a:ext cx="3904431" cy="993354"/>
+          </a:xfrm>
+          <a:prstGeom prst="rect">
+            <a:avLst/>
+          </a:prstGeom>
+        </p:spPr>
+      </p:pic>
+      <p:pic>
+        <p:nvPicPr>
+          <p:cNvPr id="12" name="Picture 11">
+            <a:extLst>
+              <a:ext uri="{FF2B5EF4-FFF2-40B4-BE49-F238E27FC236}">
+                <a16:creationId xmlns:a16="http://schemas.microsoft.com/office/drawing/2014/main" id="{801ADB64-1F2E-0E7D-F333-B01BFC0971A8}"/>
+              </a:ext>
+            </a:extLst>
+          </p:cNvPr>
+          <p:cNvPicPr>
+            <a:picLocks noChangeAspect="1"/>
+          </p:cNvPicPr>
+          <p:nvPr/>
+        </p:nvPicPr>
+        <p:blipFill>
+          <a:blip r:embed="rId5"/>
+          <a:stretch>
+            <a:fillRect/>
+          </a:stretch>
+        </p:blipFill>
+        <p:spPr>
+          <a:xfrm>
+            <a:off x="6611160" y="4901979"/>
+            <a:ext cx="3762900" cy="866896"/>
+          </a:xfrm>
+          <a:prstGeom prst="rect">
+            <a:avLst/>
+          </a:prstGeom>
+        </p:spPr>
+      </p:pic>
     </p:spTree>
     <p:extLst>
       <p:ext uri="{BB962C8B-B14F-4D97-AF65-F5344CB8AC3E}">
@@ -24224,6 +24406,66 @@
           </a:p>
         </p:txBody>
       </p:sp>
+      <p:pic>
+        <p:nvPicPr>
+          <p:cNvPr id="6" name="Picture 5">
+            <a:extLst>
+              <a:ext uri="{FF2B5EF4-FFF2-40B4-BE49-F238E27FC236}">
+                <a16:creationId xmlns:a16="http://schemas.microsoft.com/office/drawing/2014/main" id="{829A2E8F-D1C7-94EB-31A8-54C7E671AE10}"/>
+              </a:ext>
+            </a:extLst>
+          </p:cNvPr>
+          <p:cNvPicPr>
+            <a:picLocks noChangeAspect="1"/>
+          </p:cNvPicPr>
+          <p:nvPr/>
+        </p:nvPicPr>
+        <p:blipFill>
+          <a:blip r:embed="rId2"/>
+          <a:stretch>
+            <a:fillRect/>
+          </a:stretch>
+        </p:blipFill>
+        <p:spPr>
+          <a:xfrm>
+            <a:off x="7595674" y="681037"/>
+            <a:ext cx="4037299" cy="4005840"/>
+          </a:xfrm>
+          <a:prstGeom prst="rect">
+            <a:avLst/>
+          </a:prstGeom>
+        </p:spPr>
+      </p:pic>
+      <p:pic>
+        <p:nvPicPr>
+          <p:cNvPr id="8" name="Picture 7">
+            <a:extLst>
+              <a:ext uri="{FF2B5EF4-FFF2-40B4-BE49-F238E27FC236}">
+                <a16:creationId xmlns:a16="http://schemas.microsoft.com/office/drawing/2014/main" id="{2F009651-8F9E-ED14-3293-17344479687E}"/>
+              </a:ext>
+            </a:extLst>
+          </p:cNvPr>
+          <p:cNvPicPr>
+            <a:picLocks noChangeAspect="1"/>
+          </p:cNvPicPr>
+          <p:nvPr/>
+        </p:nvPicPr>
+        <p:blipFill>
+          <a:blip r:embed="rId3"/>
+          <a:stretch>
+            <a:fillRect/>
+          </a:stretch>
+        </p:blipFill>
+        <p:spPr>
+          <a:xfrm>
+            <a:off x="7625958" y="4912492"/>
+            <a:ext cx="4007015" cy="1038856"/>
+          </a:xfrm>
+          <a:prstGeom prst="rect">
+            <a:avLst/>
+          </a:prstGeom>
+        </p:spPr>
+      </p:pic>
     </p:spTree>
     <p:extLst>
       <p:ext uri="{BB962C8B-B14F-4D97-AF65-F5344CB8AC3E}">
